--- a/classes/stats2022/Lecture07.pptx
+++ b/classes/stats2022/Lecture07.pptx
@@ -232,7 +232,7 @@
             <a:fld id="{423AD07F-71EA-4875-813B-E57FF907F655}" type="datetimeFigureOut">
               <a:rPr lang="en-US" smtClean="0"/>
               <a:pPr/>
-              <a:t>2/10/2020</a:t>
+              <a:t>2/10/2022</a:t>
             </a:fld>
             <a:endParaRPr lang="en-US"/>
           </a:p>
@@ -2074,7 +2074,7 @@
             <a:fld id="{1D8BD707-D9CF-40AE-B4C6-C98DA3205C09}" type="datetimeFigureOut">
               <a:rPr lang="en-US" smtClean="0"/>
               <a:pPr/>
-              <a:t>2/10/2020</a:t>
+              <a:t>2/10/2022</a:t>
             </a:fld>
             <a:endParaRPr lang="en-US"/>
           </a:p>
@@ -2239,7 +2239,7 @@
             <a:fld id="{1D8BD707-D9CF-40AE-B4C6-C98DA3205C09}" type="datetimeFigureOut">
               <a:rPr lang="en-US" smtClean="0"/>
               <a:pPr/>
-              <a:t>2/10/2020</a:t>
+              <a:t>2/10/2022</a:t>
             </a:fld>
             <a:endParaRPr lang="en-US"/>
           </a:p>
@@ -2414,7 +2414,7 @@
             <a:fld id="{1D8BD707-D9CF-40AE-B4C6-C98DA3205C09}" type="datetimeFigureOut">
               <a:rPr lang="en-US" smtClean="0"/>
               <a:pPr/>
-              <a:t>2/10/2020</a:t>
+              <a:t>2/10/2022</a:t>
             </a:fld>
             <a:endParaRPr lang="en-US"/>
           </a:p>
@@ -2579,7 +2579,7 @@
             <a:fld id="{1D8BD707-D9CF-40AE-B4C6-C98DA3205C09}" type="datetimeFigureOut">
               <a:rPr lang="en-US" smtClean="0"/>
               <a:pPr/>
-              <a:t>2/10/2020</a:t>
+              <a:t>2/10/2022</a:t>
             </a:fld>
             <a:endParaRPr lang="en-US"/>
           </a:p>
@@ -2821,7 +2821,7 @@
             <a:fld id="{1D8BD707-D9CF-40AE-B4C6-C98DA3205C09}" type="datetimeFigureOut">
               <a:rPr lang="en-US" smtClean="0"/>
               <a:pPr/>
-              <a:t>2/10/2020</a:t>
+              <a:t>2/10/2022</a:t>
             </a:fld>
             <a:endParaRPr lang="en-US"/>
           </a:p>
@@ -3103,7 +3103,7 @@
             <a:fld id="{1D8BD707-D9CF-40AE-B4C6-C98DA3205C09}" type="datetimeFigureOut">
               <a:rPr lang="en-US" smtClean="0"/>
               <a:pPr/>
-              <a:t>2/10/2020</a:t>
+              <a:t>2/10/2022</a:t>
             </a:fld>
             <a:endParaRPr lang="en-US"/>
           </a:p>
@@ -3519,7 +3519,7 @@
             <a:fld id="{1D8BD707-D9CF-40AE-B4C6-C98DA3205C09}" type="datetimeFigureOut">
               <a:rPr lang="en-US" smtClean="0"/>
               <a:pPr/>
-              <a:t>2/10/2020</a:t>
+              <a:t>2/10/2022</a:t>
             </a:fld>
             <a:endParaRPr lang="en-US"/>
           </a:p>
@@ -3633,7 +3633,7 @@
             <a:fld id="{1D8BD707-D9CF-40AE-B4C6-C98DA3205C09}" type="datetimeFigureOut">
               <a:rPr lang="en-US" smtClean="0"/>
               <a:pPr/>
-              <a:t>2/10/2020</a:t>
+              <a:t>2/10/2022</a:t>
             </a:fld>
             <a:endParaRPr lang="en-US"/>
           </a:p>
@@ -3725,7 +3725,7 @@
             <a:fld id="{1D8BD707-D9CF-40AE-B4C6-C98DA3205C09}" type="datetimeFigureOut">
               <a:rPr lang="en-US" smtClean="0"/>
               <a:pPr/>
-              <a:t>2/10/2020</a:t>
+              <a:t>2/10/2022</a:t>
             </a:fld>
             <a:endParaRPr lang="en-US"/>
           </a:p>
@@ -3997,7 +3997,7 @@
             <a:fld id="{1D8BD707-D9CF-40AE-B4C6-C98DA3205C09}" type="datetimeFigureOut">
               <a:rPr lang="en-US" smtClean="0"/>
               <a:pPr/>
-              <a:t>2/10/2020</a:t>
+              <a:t>2/10/2022</a:t>
             </a:fld>
             <a:endParaRPr lang="en-US"/>
           </a:p>
@@ -4246,7 +4246,7 @@
             <a:fld id="{1D8BD707-D9CF-40AE-B4C6-C98DA3205C09}" type="datetimeFigureOut">
               <a:rPr lang="en-US" smtClean="0"/>
               <a:pPr/>
-              <a:t>2/10/2020</a:t>
+              <a:t>2/10/2022</a:t>
             </a:fld>
             <a:endParaRPr lang="en-US"/>
           </a:p>
@@ -4454,7 +4454,7 @@
             <a:fld id="{1D8BD707-D9CF-40AE-B4C6-C98DA3205C09}" type="datetimeFigureOut">
               <a:rPr lang="en-US" smtClean="0"/>
               <a:pPr/>
-              <a:t>2/10/2020</a:t>
+              <a:t>2/10/2022</a:t>
             </a:fld>
             <a:endParaRPr lang="en-US"/>
           </a:p>
@@ -6128,8 +6128,8 @@
           </a:p>
         </p:txBody>
       </p:sp>
-      <mc:AlternateContent xmlns:mc="http://schemas.openxmlformats.org/markup-compatibility/2006">
-        <mc:Choice xmlns:a14="http://schemas.microsoft.com/office/drawing/2010/main" Requires="a14">
+      <mc:AlternateContent xmlns:mc="http://schemas.openxmlformats.org/markup-compatibility/2006" xmlns:a14="http://schemas.microsoft.com/office/drawing/2010/main">
+        <mc:Choice Requires="a14">
           <p:sp>
             <p:nvSpPr>
               <p:cNvPr id="11" name="Object 2">
@@ -6414,7 +6414,7 @@
             </p:txBody>
           </p:sp>
         </mc:Choice>
-        <mc:Fallback>
+        <mc:Fallback xmlns="">
           <p:sp>
             <p:nvSpPr>
               <p:cNvPr id="11" name="Object 2">
@@ -6794,8 +6794,8 @@
           </a:fontRef>
         </p:style>
       </p:cxnSp>
-      <mc:AlternateContent xmlns:mc="http://schemas.openxmlformats.org/markup-compatibility/2006">
-        <mc:Choice xmlns:a14="http://schemas.microsoft.com/office/drawing/2010/main" Requires="a14">
+      <mc:AlternateContent xmlns:mc="http://schemas.openxmlformats.org/markup-compatibility/2006" xmlns:a14="http://schemas.microsoft.com/office/drawing/2010/main">
+        <mc:Choice Requires="a14">
           <p:sp>
             <p:nvSpPr>
               <p:cNvPr id="12" name="Object 2"/>
@@ -7074,7 +7074,7 @@
             </p:txBody>
           </p:sp>
         </mc:Choice>
-        <mc:Fallback>
+        <mc:Fallback xmlns="">
           <p:sp>
             <p:nvSpPr>
               <p:cNvPr id="12" name="Object 2"/>
@@ -7435,8 +7435,8 @@
           </a:p>
         </p:txBody>
       </p:sp>
-      <mc:AlternateContent xmlns:mc="http://schemas.openxmlformats.org/markup-compatibility/2006">
-        <mc:Choice xmlns:a14="http://schemas.microsoft.com/office/drawing/2010/main" Requires="a14">
+      <mc:AlternateContent xmlns:mc="http://schemas.openxmlformats.org/markup-compatibility/2006" xmlns:a14="http://schemas.microsoft.com/office/drawing/2010/main">
+        <mc:Choice Requires="a14">
           <p:sp>
             <p:nvSpPr>
               <p:cNvPr id="11" name="Object 2">
@@ -7721,7 +7721,7 @@
             </p:txBody>
           </p:sp>
         </mc:Choice>
-        <mc:Fallback>
+        <mc:Fallback xmlns="">
           <p:sp>
             <p:nvSpPr>
               <p:cNvPr id="11" name="Object 2">
@@ -8697,7 +8697,7 @@
             </a:r>
             <a:r>
               <a:rPr lang="en-US" dirty="0"/>
-              <a:t> max(∏</a:t>
+              <a:t> min(∏</a:t>
             </a:r>
             <a:r>
               <a:rPr lang="en-US" baseline="-25000" dirty="0"/>
@@ -8715,11 +8715,19 @@
             </a:r>
             <a:r>
               <a:rPr lang="en-US" baseline="-25000" dirty="0"/>
-              <a:t> new =</a:t>
-            </a:r>
-            <a:r>
-              <a:rPr lang="en-US" dirty="0"/>
-              <a:t> min(∏</a:t>
+              <a:t> new </a:t>
+            </a:r>
+            <a:r>
+              <a:rPr lang="en-US" baseline="-25000"/>
+              <a:t>=</a:t>
+            </a:r>
+            <a:r>
+              <a:rPr lang="en-US"/>
+              <a:t> max(</a:t>
+            </a:r>
+            <a:r>
+              <a:rPr lang="en-US" dirty="0"/>
+              <a:t>∏</a:t>
             </a:r>
             <a:r>
               <a:rPr lang="en-US" baseline="-25000" dirty="0"/>
